--- a/03Compiler/03Frontend/01Introduction.pptx
+++ b/03Compiler/03Frontend/01Introduction.pptx
@@ -556,7 +556,7 @@
             <a:fld id="{C45443A1-D8F2-48CD-A659-3CEDBA8DF541}" type="datetimeFigureOut">
               <a:rPr lang="zh-CN" altLang="en-US" smtClean="0"/>
               <a:pPr/>
-              <a:t>2022/12/13</a:t>
+              <a:t>2024/6/25</a:t>
             </a:fld>
             <a:endParaRPr lang="zh-CN" altLang="en-US"/>
           </a:p>
